--- a/PRM/PETCARE-v5.pptx
+++ b/PRM/PETCARE-v5.pptx
@@ -3907,33 +3907,6 @@
               <a:buChar char="-"/>
             </a:pPr>
             <a:r>
-              <a:rPr lang="en-GB" dirty="0" err="1">
-                <a:latin typeface="Franklin Gothic Book (Body)"/>
-              </a:rPr>
-              <a:t>Võ</a:t>
-            </a:r>
-            <a:r>
-              <a:rPr lang="en-GB" dirty="0">
-                <a:latin typeface="Franklin Gothic Book (Body)"/>
-              </a:rPr>
-              <a:t> Quang </a:t>
-            </a:r>
-            <a:r>
-              <a:rPr lang="en-GB" dirty="0" err="1">
-                <a:latin typeface="Franklin Gothic Book (Body)"/>
-              </a:rPr>
-              <a:t>Hòa</a:t>
-            </a:r>
-            <a:endParaRPr lang="en-GB" dirty="0">
-              <a:latin typeface="Franklin Gothic Book (Body)"/>
-            </a:endParaRPr>
-          </a:p>
-          <a:p>
-            <a:pPr marL="342900" indent="-342900" algn="l">
-              <a:buFontTx/>
-              <a:buChar char="-"/>
-            </a:pPr>
-            <a:r>
               <a:rPr lang="vi-VN" dirty="0">
                 <a:latin typeface="Franklin Gothic Book (Body)"/>
               </a:rPr>
